--- a/ppt 16-9/1295.盼望歌.pptx
+++ b/ppt 16-9/1295.盼望歌.pptx
@@ -129,7 +129,7 @@
           <p:cNvPr id="2" name="标题 1">
             <a:extLst>
               <a:ext uri="{FF2B5EF4-FFF2-40B4-BE49-F238E27FC236}">
-                <a16:creationId xmlns:a16="http://schemas.microsoft.com/office/drawing/2014/main" id="{026C8D7E-BBCA-5E91-15FA-5FCED3693906}"/>
+                <a16:creationId xmlns:a16="http://schemas.microsoft.com/office/drawing/2014/main" id="{FFC292A2-B6A6-E7B8-963B-A69B812FF877}"/>
               </a:ext>
             </a:extLst>
           </p:cNvPr>
@@ -166,7 +166,7 @@
           <p:cNvPr id="3" name="副标题 2">
             <a:extLst>
               <a:ext uri="{FF2B5EF4-FFF2-40B4-BE49-F238E27FC236}">
-                <a16:creationId xmlns:a16="http://schemas.microsoft.com/office/drawing/2014/main" id="{89D14F00-A162-BF4D-0031-1912FF3B8120}"/>
+                <a16:creationId xmlns:a16="http://schemas.microsoft.com/office/drawing/2014/main" id="{B68437E2-6432-01B8-68B1-E3437D2C1B54}"/>
               </a:ext>
             </a:extLst>
           </p:cNvPr>
@@ -236,7 +236,7 @@
           <p:cNvPr id="4" name="日期占位符 3">
             <a:extLst>
               <a:ext uri="{FF2B5EF4-FFF2-40B4-BE49-F238E27FC236}">
-                <a16:creationId xmlns:a16="http://schemas.microsoft.com/office/drawing/2014/main" id="{481A2800-18AC-EA5B-88D1-A5A15581A990}"/>
+                <a16:creationId xmlns:a16="http://schemas.microsoft.com/office/drawing/2014/main" id="{80023E53-EC91-43FF-5C0D-B6FE768F3335}"/>
               </a:ext>
             </a:extLst>
           </p:cNvPr>
@@ -252,7 +252,7 @@
           <a:bodyPr/>
           <a:lstStyle/>
           <a:p>
-            <a:fld id="{E3D285EE-ED6E-422F-9AE7-2B1CB5348F18}" type="datetimeFigureOut">
+            <a:fld id="{B539E941-0ABA-4AAF-8269-CBF020AE2C16}" type="datetimeFigureOut">
               <a:rPr lang="zh-CN" altLang="en-US" smtClean="0"/>
               <a:t>2024/3/10</a:t>
             </a:fld>
@@ -265,7 +265,7 @@
           <p:cNvPr id="5" name="页脚占位符 4">
             <a:extLst>
               <a:ext uri="{FF2B5EF4-FFF2-40B4-BE49-F238E27FC236}">
-                <a16:creationId xmlns:a16="http://schemas.microsoft.com/office/drawing/2014/main" id="{4D17CDC2-F8D3-3BAB-383E-BCAB009A612A}"/>
+                <a16:creationId xmlns:a16="http://schemas.microsoft.com/office/drawing/2014/main" id="{F5AAEB04-101A-5A66-A60B-0A5DF18C97CC}"/>
               </a:ext>
             </a:extLst>
           </p:cNvPr>
@@ -290,7 +290,7 @@
           <p:cNvPr id="6" name="灯片编号占位符 5">
             <a:extLst>
               <a:ext uri="{FF2B5EF4-FFF2-40B4-BE49-F238E27FC236}">
-                <a16:creationId xmlns:a16="http://schemas.microsoft.com/office/drawing/2014/main" id="{9B841297-EB5D-B6FA-02C1-8388DB41408E}"/>
+                <a16:creationId xmlns:a16="http://schemas.microsoft.com/office/drawing/2014/main" id="{0BFD77FF-926F-F8D9-F178-E1874BCCA41A}"/>
               </a:ext>
             </a:extLst>
           </p:cNvPr>
@@ -306,7 +306,7 @@
           <a:bodyPr/>
           <a:lstStyle/>
           <a:p>
-            <a:fld id="{13890C87-09B5-4227-B160-A6937E5BF762}" type="slidenum">
+            <a:fld id="{030E0889-D9F3-49EF-9BFA-BE415532BBD3}" type="slidenum">
               <a:rPr lang="zh-CN" altLang="en-US" smtClean="0"/>
               <a:t>‹#›</a:t>
             </a:fld>
@@ -317,7 +317,7 @@
     </p:spTree>
     <p:extLst>
       <p:ext uri="{BB962C8B-B14F-4D97-AF65-F5344CB8AC3E}">
-        <p14:creationId xmlns:p14="http://schemas.microsoft.com/office/powerpoint/2010/main" val="3244138847"/>
+        <p14:creationId xmlns:p14="http://schemas.microsoft.com/office/powerpoint/2010/main" val="3506243607"/>
       </p:ext>
     </p:extLst>
   </p:cSld>
@@ -349,7 +349,7 @@
           <p:cNvPr id="2" name="标题 1">
             <a:extLst>
               <a:ext uri="{FF2B5EF4-FFF2-40B4-BE49-F238E27FC236}">
-                <a16:creationId xmlns:a16="http://schemas.microsoft.com/office/drawing/2014/main" id="{90E7460B-9423-72A8-D1E9-1B462E646983}"/>
+                <a16:creationId xmlns:a16="http://schemas.microsoft.com/office/drawing/2014/main" id="{9B2001CE-D387-FBFD-0239-DF5D02281476}"/>
               </a:ext>
             </a:extLst>
           </p:cNvPr>
@@ -377,7 +377,7 @@
           <p:cNvPr id="3" name="竖排文字占位符 2">
             <a:extLst>
               <a:ext uri="{FF2B5EF4-FFF2-40B4-BE49-F238E27FC236}">
-                <a16:creationId xmlns:a16="http://schemas.microsoft.com/office/drawing/2014/main" id="{DF47AD25-BAE4-6604-8B60-C38FF56FA17D}"/>
+                <a16:creationId xmlns:a16="http://schemas.microsoft.com/office/drawing/2014/main" id="{DC5D45C9-8E50-3E11-86BB-7CF257C12A53}"/>
               </a:ext>
             </a:extLst>
           </p:cNvPr>
@@ -434,7 +434,7 @@
           <p:cNvPr id="4" name="日期占位符 3">
             <a:extLst>
               <a:ext uri="{FF2B5EF4-FFF2-40B4-BE49-F238E27FC236}">
-                <a16:creationId xmlns:a16="http://schemas.microsoft.com/office/drawing/2014/main" id="{D23216B4-877E-BEEF-D1E5-AFDB056A1633}"/>
+                <a16:creationId xmlns:a16="http://schemas.microsoft.com/office/drawing/2014/main" id="{5F5F360A-14E2-DC7F-B09B-C3F4D457516A}"/>
               </a:ext>
             </a:extLst>
           </p:cNvPr>
@@ -450,7 +450,7 @@
           <a:bodyPr/>
           <a:lstStyle/>
           <a:p>
-            <a:fld id="{E3D285EE-ED6E-422F-9AE7-2B1CB5348F18}" type="datetimeFigureOut">
+            <a:fld id="{B539E941-0ABA-4AAF-8269-CBF020AE2C16}" type="datetimeFigureOut">
               <a:rPr lang="zh-CN" altLang="en-US" smtClean="0"/>
               <a:t>2024/3/10</a:t>
             </a:fld>
@@ -463,7 +463,7 @@
           <p:cNvPr id="5" name="页脚占位符 4">
             <a:extLst>
               <a:ext uri="{FF2B5EF4-FFF2-40B4-BE49-F238E27FC236}">
-                <a16:creationId xmlns:a16="http://schemas.microsoft.com/office/drawing/2014/main" id="{B7B87F65-17FD-9488-3820-B17AA4564596}"/>
+                <a16:creationId xmlns:a16="http://schemas.microsoft.com/office/drawing/2014/main" id="{38C19A7C-2FE2-4C4C-8C84-50D0BB89BB7D}"/>
               </a:ext>
             </a:extLst>
           </p:cNvPr>
@@ -488,7 +488,7 @@
           <p:cNvPr id="6" name="灯片编号占位符 5">
             <a:extLst>
               <a:ext uri="{FF2B5EF4-FFF2-40B4-BE49-F238E27FC236}">
-                <a16:creationId xmlns:a16="http://schemas.microsoft.com/office/drawing/2014/main" id="{E647FF79-92C1-BDDE-9035-9CCCE5A172D3}"/>
+                <a16:creationId xmlns:a16="http://schemas.microsoft.com/office/drawing/2014/main" id="{5E221940-561C-3304-2462-71B597C30E82}"/>
               </a:ext>
             </a:extLst>
           </p:cNvPr>
@@ -504,7 +504,7 @@
           <a:bodyPr/>
           <a:lstStyle/>
           <a:p>
-            <a:fld id="{13890C87-09B5-4227-B160-A6937E5BF762}" type="slidenum">
+            <a:fld id="{030E0889-D9F3-49EF-9BFA-BE415532BBD3}" type="slidenum">
               <a:rPr lang="zh-CN" altLang="en-US" smtClean="0"/>
               <a:t>‹#›</a:t>
             </a:fld>
@@ -515,7 +515,7 @@
     </p:spTree>
     <p:extLst>
       <p:ext uri="{BB962C8B-B14F-4D97-AF65-F5344CB8AC3E}">
-        <p14:creationId xmlns:p14="http://schemas.microsoft.com/office/powerpoint/2010/main" val="2749456205"/>
+        <p14:creationId xmlns:p14="http://schemas.microsoft.com/office/powerpoint/2010/main" val="1964423602"/>
       </p:ext>
     </p:extLst>
   </p:cSld>
@@ -547,7 +547,7 @@
           <p:cNvPr id="2" name="竖排标题 1">
             <a:extLst>
               <a:ext uri="{FF2B5EF4-FFF2-40B4-BE49-F238E27FC236}">
-                <a16:creationId xmlns:a16="http://schemas.microsoft.com/office/drawing/2014/main" id="{3195FCB8-BB6A-3892-4B18-7CEAE7438549}"/>
+                <a16:creationId xmlns:a16="http://schemas.microsoft.com/office/drawing/2014/main" id="{F66C5387-3ABC-DB4B-0318-1EED8485C91B}"/>
               </a:ext>
             </a:extLst>
           </p:cNvPr>
@@ -580,7 +580,7 @@
           <p:cNvPr id="3" name="竖排文字占位符 2">
             <a:extLst>
               <a:ext uri="{FF2B5EF4-FFF2-40B4-BE49-F238E27FC236}">
-                <a16:creationId xmlns:a16="http://schemas.microsoft.com/office/drawing/2014/main" id="{C8A7C57C-22E1-2AC5-F7B4-035DC4209028}"/>
+                <a16:creationId xmlns:a16="http://schemas.microsoft.com/office/drawing/2014/main" id="{30A7F3FD-C8AB-426C-44B7-BB7D8782D4D3}"/>
               </a:ext>
             </a:extLst>
           </p:cNvPr>
@@ -642,7 +642,7 @@
           <p:cNvPr id="4" name="日期占位符 3">
             <a:extLst>
               <a:ext uri="{FF2B5EF4-FFF2-40B4-BE49-F238E27FC236}">
-                <a16:creationId xmlns:a16="http://schemas.microsoft.com/office/drawing/2014/main" id="{27174219-F6DC-71C0-6628-EA7E3465A0E9}"/>
+                <a16:creationId xmlns:a16="http://schemas.microsoft.com/office/drawing/2014/main" id="{B5E1FD5A-A1B5-9A04-E8A7-CD1EBC3A9EBF}"/>
               </a:ext>
             </a:extLst>
           </p:cNvPr>
@@ -658,7 +658,7 @@
           <a:bodyPr/>
           <a:lstStyle/>
           <a:p>
-            <a:fld id="{E3D285EE-ED6E-422F-9AE7-2B1CB5348F18}" type="datetimeFigureOut">
+            <a:fld id="{B539E941-0ABA-4AAF-8269-CBF020AE2C16}" type="datetimeFigureOut">
               <a:rPr lang="zh-CN" altLang="en-US" smtClean="0"/>
               <a:t>2024/3/10</a:t>
             </a:fld>
@@ -671,7 +671,7 @@
           <p:cNvPr id="5" name="页脚占位符 4">
             <a:extLst>
               <a:ext uri="{FF2B5EF4-FFF2-40B4-BE49-F238E27FC236}">
-                <a16:creationId xmlns:a16="http://schemas.microsoft.com/office/drawing/2014/main" id="{A4137673-51DE-0C0C-4DD2-993B628749C7}"/>
+                <a16:creationId xmlns:a16="http://schemas.microsoft.com/office/drawing/2014/main" id="{ABE58244-D56A-E2F9-3C71-8AEEE596D80B}"/>
               </a:ext>
             </a:extLst>
           </p:cNvPr>
@@ -696,7 +696,7 @@
           <p:cNvPr id="6" name="灯片编号占位符 5">
             <a:extLst>
               <a:ext uri="{FF2B5EF4-FFF2-40B4-BE49-F238E27FC236}">
-                <a16:creationId xmlns:a16="http://schemas.microsoft.com/office/drawing/2014/main" id="{DCA444E5-305F-C090-C92C-EFE66F091D2A}"/>
+                <a16:creationId xmlns:a16="http://schemas.microsoft.com/office/drawing/2014/main" id="{723C3ECE-15F8-BF48-0BB7-CAEFDB90B8A6}"/>
               </a:ext>
             </a:extLst>
           </p:cNvPr>
@@ -712,7 +712,7 @@
           <a:bodyPr/>
           <a:lstStyle/>
           <a:p>
-            <a:fld id="{13890C87-09B5-4227-B160-A6937E5BF762}" type="slidenum">
+            <a:fld id="{030E0889-D9F3-49EF-9BFA-BE415532BBD3}" type="slidenum">
               <a:rPr lang="zh-CN" altLang="en-US" smtClean="0"/>
               <a:t>‹#›</a:t>
             </a:fld>
@@ -723,7 +723,7 @@
     </p:spTree>
     <p:extLst>
       <p:ext uri="{BB962C8B-B14F-4D97-AF65-F5344CB8AC3E}">
-        <p14:creationId xmlns:p14="http://schemas.microsoft.com/office/powerpoint/2010/main" val="1546406106"/>
+        <p14:creationId xmlns:p14="http://schemas.microsoft.com/office/powerpoint/2010/main" val="2641558865"/>
       </p:ext>
     </p:extLst>
   </p:cSld>
@@ -755,7 +755,7 @@
           <p:cNvPr id="2" name="标题 1">
             <a:extLst>
               <a:ext uri="{FF2B5EF4-FFF2-40B4-BE49-F238E27FC236}">
-                <a16:creationId xmlns:a16="http://schemas.microsoft.com/office/drawing/2014/main" id="{C9E9A40F-C9E5-75AC-E454-D594188713A4}"/>
+                <a16:creationId xmlns:a16="http://schemas.microsoft.com/office/drawing/2014/main" id="{A131D082-6728-DF5E-060B-690DC0EF9ED1}"/>
               </a:ext>
             </a:extLst>
           </p:cNvPr>
@@ -783,7 +783,7 @@
           <p:cNvPr id="3" name="内容占位符 2">
             <a:extLst>
               <a:ext uri="{FF2B5EF4-FFF2-40B4-BE49-F238E27FC236}">
-                <a16:creationId xmlns:a16="http://schemas.microsoft.com/office/drawing/2014/main" id="{AAD945AC-2F15-CB13-60D2-ECF5A35D86CF}"/>
+                <a16:creationId xmlns:a16="http://schemas.microsoft.com/office/drawing/2014/main" id="{76AE7EB1-FA7C-6AA6-E5AE-7600DF77AE3D}"/>
               </a:ext>
             </a:extLst>
           </p:cNvPr>
@@ -840,7 +840,7 @@
           <p:cNvPr id="4" name="日期占位符 3">
             <a:extLst>
               <a:ext uri="{FF2B5EF4-FFF2-40B4-BE49-F238E27FC236}">
-                <a16:creationId xmlns:a16="http://schemas.microsoft.com/office/drawing/2014/main" id="{0FCED729-CA1B-D7EF-2734-25121F337E55}"/>
+                <a16:creationId xmlns:a16="http://schemas.microsoft.com/office/drawing/2014/main" id="{D963FAE8-49B8-D86C-F0D9-45F99165267B}"/>
               </a:ext>
             </a:extLst>
           </p:cNvPr>
@@ -856,7 +856,7 @@
           <a:bodyPr/>
           <a:lstStyle/>
           <a:p>
-            <a:fld id="{E3D285EE-ED6E-422F-9AE7-2B1CB5348F18}" type="datetimeFigureOut">
+            <a:fld id="{B539E941-0ABA-4AAF-8269-CBF020AE2C16}" type="datetimeFigureOut">
               <a:rPr lang="zh-CN" altLang="en-US" smtClean="0"/>
               <a:t>2024/3/10</a:t>
             </a:fld>
@@ -869,7 +869,7 @@
           <p:cNvPr id="5" name="页脚占位符 4">
             <a:extLst>
               <a:ext uri="{FF2B5EF4-FFF2-40B4-BE49-F238E27FC236}">
-                <a16:creationId xmlns:a16="http://schemas.microsoft.com/office/drawing/2014/main" id="{05A8827D-AC16-FE95-C204-124F8319EFCF}"/>
+                <a16:creationId xmlns:a16="http://schemas.microsoft.com/office/drawing/2014/main" id="{3DA2B626-43D5-1FA4-0B97-B4A51CCC3B32}"/>
               </a:ext>
             </a:extLst>
           </p:cNvPr>
@@ -894,7 +894,7 @@
           <p:cNvPr id="6" name="灯片编号占位符 5">
             <a:extLst>
               <a:ext uri="{FF2B5EF4-FFF2-40B4-BE49-F238E27FC236}">
-                <a16:creationId xmlns:a16="http://schemas.microsoft.com/office/drawing/2014/main" id="{61AABB86-50BB-2E3E-7476-3B771EE9725B}"/>
+                <a16:creationId xmlns:a16="http://schemas.microsoft.com/office/drawing/2014/main" id="{CAE3FF67-434E-BC5E-8CB1-3CCA05FCB89B}"/>
               </a:ext>
             </a:extLst>
           </p:cNvPr>
@@ -910,7 +910,7 @@
           <a:bodyPr/>
           <a:lstStyle/>
           <a:p>
-            <a:fld id="{13890C87-09B5-4227-B160-A6937E5BF762}" type="slidenum">
+            <a:fld id="{030E0889-D9F3-49EF-9BFA-BE415532BBD3}" type="slidenum">
               <a:rPr lang="zh-CN" altLang="en-US" smtClean="0"/>
               <a:t>‹#›</a:t>
             </a:fld>
@@ -921,7 +921,7 @@
     </p:spTree>
     <p:extLst>
       <p:ext uri="{BB962C8B-B14F-4D97-AF65-F5344CB8AC3E}">
-        <p14:creationId xmlns:p14="http://schemas.microsoft.com/office/powerpoint/2010/main" val="2682911378"/>
+        <p14:creationId xmlns:p14="http://schemas.microsoft.com/office/powerpoint/2010/main" val="1786059756"/>
       </p:ext>
     </p:extLst>
   </p:cSld>
@@ -953,7 +953,7 @@
           <p:cNvPr id="2" name="标题 1">
             <a:extLst>
               <a:ext uri="{FF2B5EF4-FFF2-40B4-BE49-F238E27FC236}">
-                <a16:creationId xmlns:a16="http://schemas.microsoft.com/office/drawing/2014/main" id="{B783C7A2-944E-AF14-C290-A150A8CF48B2}"/>
+                <a16:creationId xmlns:a16="http://schemas.microsoft.com/office/drawing/2014/main" id="{7A0D5378-D028-59A8-FC76-F8265CA46157}"/>
               </a:ext>
             </a:extLst>
           </p:cNvPr>
@@ -990,7 +990,7 @@
           <p:cNvPr id="3" name="文本占位符 2">
             <a:extLst>
               <a:ext uri="{FF2B5EF4-FFF2-40B4-BE49-F238E27FC236}">
-                <a16:creationId xmlns:a16="http://schemas.microsoft.com/office/drawing/2014/main" id="{FEA7418D-F45E-65C8-B012-5C2308CD8277}"/>
+                <a16:creationId xmlns:a16="http://schemas.microsoft.com/office/drawing/2014/main" id="{7A726831-EFC9-A754-DB4A-A583C49BF812}"/>
               </a:ext>
             </a:extLst>
           </p:cNvPr>
@@ -1115,7 +1115,7 @@
           <p:cNvPr id="4" name="日期占位符 3">
             <a:extLst>
               <a:ext uri="{FF2B5EF4-FFF2-40B4-BE49-F238E27FC236}">
-                <a16:creationId xmlns:a16="http://schemas.microsoft.com/office/drawing/2014/main" id="{C1D4F5DB-4873-9CAC-59DF-06FA947964A9}"/>
+                <a16:creationId xmlns:a16="http://schemas.microsoft.com/office/drawing/2014/main" id="{DC5500FF-9714-7B0F-2D15-C5D4FC7D0E9B}"/>
               </a:ext>
             </a:extLst>
           </p:cNvPr>
@@ -1131,7 +1131,7 @@
           <a:bodyPr/>
           <a:lstStyle/>
           <a:p>
-            <a:fld id="{E3D285EE-ED6E-422F-9AE7-2B1CB5348F18}" type="datetimeFigureOut">
+            <a:fld id="{B539E941-0ABA-4AAF-8269-CBF020AE2C16}" type="datetimeFigureOut">
               <a:rPr lang="zh-CN" altLang="en-US" smtClean="0"/>
               <a:t>2024/3/10</a:t>
             </a:fld>
@@ -1144,7 +1144,7 @@
           <p:cNvPr id="5" name="页脚占位符 4">
             <a:extLst>
               <a:ext uri="{FF2B5EF4-FFF2-40B4-BE49-F238E27FC236}">
-                <a16:creationId xmlns:a16="http://schemas.microsoft.com/office/drawing/2014/main" id="{7F310071-9E42-C3C7-6BF2-19B6996A9495}"/>
+                <a16:creationId xmlns:a16="http://schemas.microsoft.com/office/drawing/2014/main" id="{4F1B9ABE-BCE0-543A-3254-DB4575554153}"/>
               </a:ext>
             </a:extLst>
           </p:cNvPr>
@@ -1169,7 +1169,7 @@
           <p:cNvPr id="6" name="灯片编号占位符 5">
             <a:extLst>
               <a:ext uri="{FF2B5EF4-FFF2-40B4-BE49-F238E27FC236}">
-                <a16:creationId xmlns:a16="http://schemas.microsoft.com/office/drawing/2014/main" id="{7CF0AD38-4D09-3995-6AD4-F32AE184A0F9}"/>
+                <a16:creationId xmlns:a16="http://schemas.microsoft.com/office/drawing/2014/main" id="{A8DDB021-9E98-9DB5-1B6F-D4DFD1319BBB}"/>
               </a:ext>
             </a:extLst>
           </p:cNvPr>
@@ -1185,7 +1185,7 @@
           <a:bodyPr/>
           <a:lstStyle/>
           <a:p>
-            <a:fld id="{13890C87-09B5-4227-B160-A6937E5BF762}" type="slidenum">
+            <a:fld id="{030E0889-D9F3-49EF-9BFA-BE415532BBD3}" type="slidenum">
               <a:rPr lang="zh-CN" altLang="en-US" smtClean="0"/>
               <a:t>‹#›</a:t>
             </a:fld>
@@ -1196,7 +1196,7 @@
     </p:spTree>
     <p:extLst>
       <p:ext uri="{BB962C8B-B14F-4D97-AF65-F5344CB8AC3E}">
-        <p14:creationId xmlns:p14="http://schemas.microsoft.com/office/powerpoint/2010/main" val="1901017794"/>
+        <p14:creationId xmlns:p14="http://schemas.microsoft.com/office/powerpoint/2010/main" val="248528584"/>
       </p:ext>
     </p:extLst>
   </p:cSld>
@@ -1228,7 +1228,7 @@
           <p:cNvPr id="2" name="标题 1">
             <a:extLst>
               <a:ext uri="{FF2B5EF4-FFF2-40B4-BE49-F238E27FC236}">
-                <a16:creationId xmlns:a16="http://schemas.microsoft.com/office/drawing/2014/main" id="{77D32479-CEAC-C2D9-FED5-014DD8F24302}"/>
+                <a16:creationId xmlns:a16="http://schemas.microsoft.com/office/drawing/2014/main" id="{52A18E47-0A1D-5199-F23B-FE91FE841C16}"/>
               </a:ext>
             </a:extLst>
           </p:cNvPr>
@@ -1256,7 +1256,7 @@
           <p:cNvPr id="3" name="内容占位符 2">
             <a:extLst>
               <a:ext uri="{FF2B5EF4-FFF2-40B4-BE49-F238E27FC236}">
-                <a16:creationId xmlns:a16="http://schemas.microsoft.com/office/drawing/2014/main" id="{E49CAF04-8B42-7037-27FB-79E4B16BD08F}"/>
+                <a16:creationId xmlns:a16="http://schemas.microsoft.com/office/drawing/2014/main" id="{EE1F37A2-5A90-1CD3-E21E-F47684C95720}"/>
               </a:ext>
             </a:extLst>
           </p:cNvPr>
@@ -1318,7 +1318,7 @@
           <p:cNvPr id="4" name="内容占位符 3">
             <a:extLst>
               <a:ext uri="{FF2B5EF4-FFF2-40B4-BE49-F238E27FC236}">
-                <a16:creationId xmlns:a16="http://schemas.microsoft.com/office/drawing/2014/main" id="{F391D2A6-D569-262D-B1CB-6D6D94F0F3E2}"/>
+                <a16:creationId xmlns:a16="http://schemas.microsoft.com/office/drawing/2014/main" id="{C98BFC3E-2A05-302A-4875-0A90EED3D6A5}"/>
               </a:ext>
             </a:extLst>
           </p:cNvPr>
@@ -1380,7 +1380,7 @@
           <p:cNvPr id="5" name="日期占位符 4">
             <a:extLst>
               <a:ext uri="{FF2B5EF4-FFF2-40B4-BE49-F238E27FC236}">
-                <a16:creationId xmlns:a16="http://schemas.microsoft.com/office/drawing/2014/main" id="{45DC1AE1-2EEB-F922-6FA0-8D1D03DD6D50}"/>
+                <a16:creationId xmlns:a16="http://schemas.microsoft.com/office/drawing/2014/main" id="{D5E111EC-F094-8E73-7980-F87D16F1FAA6}"/>
               </a:ext>
             </a:extLst>
           </p:cNvPr>
@@ -1396,7 +1396,7 @@
           <a:bodyPr/>
           <a:lstStyle/>
           <a:p>
-            <a:fld id="{E3D285EE-ED6E-422F-9AE7-2B1CB5348F18}" type="datetimeFigureOut">
+            <a:fld id="{B539E941-0ABA-4AAF-8269-CBF020AE2C16}" type="datetimeFigureOut">
               <a:rPr lang="zh-CN" altLang="en-US" smtClean="0"/>
               <a:t>2024/3/10</a:t>
             </a:fld>
@@ -1409,7 +1409,7 @@
           <p:cNvPr id="6" name="页脚占位符 5">
             <a:extLst>
               <a:ext uri="{FF2B5EF4-FFF2-40B4-BE49-F238E27FC236}">
-                <a16:creationId xmlns:a16="http://schemas.microsoft.com/office/drawing/2014/main" id="{32B62EA5-D5D2-6C4E-F926-A360686F073D}"/>
+                <a16:creationId xmlns:a16="http://schemas.microsoft.com/office/drawing/2014/main" id="{DC4F01CD-366E-8685-13B0-3FAD8AB7AB04}"/>
               </a:ext>
             </a:extLst>
           </p:cNvPr>
@@ -1434,7 +1434,7 @@
           <p:cNvPr id="7" name="灯片编号占位符 6">
             <a:extLst>
               <a:ext uri="{FF2B5EF4-FFF2-40B4-BE49-F238E27FC236}">
-                <a16:creationId xmlns:a16="http://schemas.microsoft.com/office/drawing/2014/main" id="{82724193-9D3E-1158-E3E4-665B77EC22C6}"/>
+                <a16:creationId xmlns:a16="http://schemas.microsoft.com/office/drawing/2014/main" id="{41B7109F-4B18-A9A8-9085-2B13C4F61602}"/>
               </a:ext>
             </a:extLst>
           </p:cNvPr>
@@ -1450,7 +1450,7 @@
           <a:bodyPr/>
           <a:lstStyle/>
           <a:p>
-            <a:fld id="{13890C87-09B5-4227-B160-A6937E5BF762}" type="slidenum">
+            <a:fld id="{030E0889-D9F3-49EF-9BFA-BE415532BBD3}" type="slidenum">
               <a:rPr lang="zh-CN" altLang="en-US" smtClean="0"/>
               <a:t>‹#›</a:t>
             </a:fld>
@@ -1461,7 +1461,7 @@
     </p:spTree>
     <p:extLst>
       <p:ext uri="{BB962C8B-B14F-4D97-AF65-F5344CB8AC3E}">
-        <p14:creationId xmlns:p14="http://schemas.microsoft.com/office/powerpoint/2010/main" val="3916073962"/>
+        <p14:creationId xmlns:p14="http://schemas.microsoft.com/office/powerpoint/2010/main" val="3867510826"/>
       </p:ext>
     </p:extLst>
   </p:cSld>
@@ -1493,7 +1493,7 @@
           <p:cNvPr id="2" name="标题 1">
             <a:extLst>
               <a:ext uri="{FF2B5EF4-FFF2-40B4-BE49-F238E27FC236}">
-                <a16:creationId xmlns:a16="http://schemas.microsoft.com/office/drawing/2014/main" id="{75FA6DB5-B318-4AB4-9F36-7481BB528B1D}"/>
+                <a16:creationId xmlns:a16="http://schemas.microsoft.com/office/drawing/2014/main" id="{649B8B51-654D-DF15-969F-83080CC5F7BA}"/>
               </a:ext>
             </a:extLst>
           </p:cNvPr>
@@ -1526,7 +1526,7 @@
           <p:cNvPr id="3" name="文本占位符 2">
             <a:extLst>
               <a:ext uri="{FF2B5EF4-FFF2-40B4-BE49-F238E27FC236}">
-                <a16:creationId xmlns:a16="http://schemas.microsoft.com/office/drawing/2014/main" id="{94180A7C-D772-20AB-29B0-EE98FBA3F17B}"/>
+                <a16:creationId xmlns:a16="http://schemas.microsoft.com/office/drawing/2014/main" id="{2BB35357-F716-3B94-7681-DA0C18A5CD6F}"/>
               </a:ext>
             </a:extLst>
           </p:cNvPr>
@@ -1597,7 +1597,7 @@
           <p:cNvPr id="4" name="内容占位符 3">
             <a:extLst>
               <a:ext uri="{FF2B5EF4-FFF2-40B4-BE49-F238E27FC236}">
-                <a16:creationId xmlns:a16="http://schemas.microsoft.com/office/drawing/2014/main" id="{8F2D0FDD-D0B3-B09E-2591-F08D3112919E}"/>
+                <a16:creationId xmlns:a16="http://schemas.microsoft.com/office/drawing/2014/main" id="{9B140228-8C57-098E-04E9-6314AA525F2B}"/>
               </a:ext>
             </a:extLst>
           </p:cNvPr>
@@ -1659,7 +1659,7 @@
           <p:cNvPr id="5" name="文本占位符 4">
             <a:extLst>
               <a:ext uri="{FF2B5EF4-FFF2-40B4-BE49-F238E27FC236}">
-                <a16:creationId xmlns:a16="http://schemas.microsoft.com/office/drawing/2014/main" id="{D4F12116-3F52-EE2B-4CB2-6FB2E887A00B}"/>
+                <a16:creationId xmlns:a16="http://schemas.microsoft.com/office/drawing/2014/main" id="{3AABF8BD-70D9-6128-16C9-39F57B80ABF6}"/>
               </a:ext>
             </a:extLst>
           </p:cNvPr>
@@ -1730,7 +1730,7 @@
           <p:cNvPr id="6" name="内容占位符 5">
             <a:extLst>
               <a:ext uri="{FF2B5EF4-FFF2-40B4-BE49-F238E27FC236}">
-                <a16:creationId xmlns:a16="http://schemas.microsoft.com/office/drawing/2014/main" id="{713168CD-76C6-CC47-0561-F4233D2DA771}"/>
+                <a16:creationId xmlns:a16="http://schemas.microsoft.com/office/drawing/2014/main" id="{547A7658-EAA2-6EB0-0077-110BC5281CBF}"/>
               </a:ext>
             </a:extLst>
           </p:cNvPr>
@@ -1792,7 +1792,7 @@
           <p:cNvPr id="7" name="日期占位符 6">
             <a:extLst>
               <a:ext uri="{FF2B5EF4-FFF2-40B4-BE49-F238E27FC236}">
-                <a16:creationId xmlns:a16="http://schemas.microsoft.com/office/drawing/2014/main" id="{839531BC-530D-E3BC-8C32-80058D9834E6}"/>
+                <a16:creationId xmlns:a16="http://schemas.microsoft.com/office/drawing/2014/main" id="{012F24D3-04E8-4271-F77D-B6106B5475D5}"/>
               </a:ext>
             </a:extLst>
           </p:cNvPr>
@@ -1808,7 +1808,7 @@
           <a:bodyPr/>
           <a:lstStyle/>
           <a:p>
-            <a:fld id="{E3D285EE-ED6E-422F-9AE7-2B1CB5348F18}" type="datetimeFigureOut">
+            <a:fld id="{B539E941-0ABA-4AAF-8269-CBF020AE2C16}" type="datetimeFigureOut">
               <a:rPr lang="zh-CN" altLang="en-US" smtClean="0"/>
               <a:t>2024/3/10</a:t>
             </a:fld>
@@ -1821,7 +1821,7 @@
           <p:cNvPr id="8" name="页脚占位符 7">
             <a:extLst>
               <a:ext uri="{FF2B5EF4-FFF2-40B4-BE49-F238E27FC236}">
-                <a16:creationId xmlns:a16="http://schemas.microsoft.com/office/drawing/2014/main" id="{C3103AAC-7816-BFE8-776C-943E4D9C76BA}"/>
+                <a16:creationId xmlns:a16="http://schemas.microsoft.com/office/drawing/2014/main" id="{15A8C39C-F40D-42A6-DA6B-FA0363FC411F}"/>
               </a:ext>
             </a:extLst>
           </p:cNvPr>
@@ -1846,7 +1846,7 @@
           <p:cNvPr id="9" name="灯片编号占位符 8">
             <a:extLst>
               <a:ext uri="{FF2B5EF4-FFF2-40B4-BE49-F238E27FC236}">
-                <a16:creationId xmlns:a16="http://schemas.microsoft.com/office/drawing/2014/main" id="{C754F8D9-5B98-8E3E-6DDF-6F59BD42F71A}"/>
+                <a16:creationId xmlns:a16="http://schemas.microsoft.com/office/drawing/2014/main" id="{4B24CED6-9C05-36D1-92B4-55ABF64077A1}"/>
               </a:ext>
             </a:extLst>
           </p:cNvPr>
@@ -1862,7 +1862,7 @@
           <a:bodyPr/>
           <a:lstStyle/>
           <a:p>
-            <a:fld id="{13890C87-09B5-4227-B160-A6937E5BF762}" type="slidenum">
+            <a:fld id="{030E0889-D9F3-49EF-9BFA-BE415532BBD3}" type="slidenum">
               <a:rPr lang="zh-CN" altLang="en-US" smtClean="0"/>
               <a:t>‹#›</a:t>
             </a:fld>
@@ -1873,7 +1873,7 @@
     </p:spTree>
     <p:extLst>
       <p:ext uri="{BB962C8B-B14F-4D97-AF65-F5344CB8AC3E}">
-        <p14:creationId xmlns:p14="http://schemas.microsoft.com/office/powerpoint/2010/main" val="4213437484"/>
+        <p14:creationId xmlns:p14="http://schemas.microsoft.com/office/powerpoint/2010/main" val="3637268671"/>
       </p:ext>
     </p:extLst>
   </p:cSld>
@@ -1905,7 +1905,7 @@
           <p:cNvPr id="2" name="标题 1">
             <a:extLst>
               <a:ext uri="{FF2B5EF4-FFF2-40B4-BE49-F238E27FC236}">
-                <a16:creationId xmlns:a16="http://schemas.microsoft.com/office/drawing/2014/main" id="{9C2BFB8E-B776-004A-E4B8-E5FDFA58ABEA}"/>
+                <a16:creationId xmlns:a16="http://schemas.microsoft.com/office/drawing/2014/main" id="{FB4A9C2C-9391-5FF6-962C-C302D2BE1CF4}"/>
               </a:ext>
             </a:extLst>
           </p:cNvPr>
@@ -1933,7 +1933,7 @@
           <p:cNvPr id="3" name="日期占位符 2">
             <a:extLst>
               <a:ext uri="{FF2B5EF4-FFF2-40B4-BE49-F238E27FC236}">
-                <a16:creationId xmlns:a16="http://schemas.microsoft.com/office/drawing/2014/main" id="{27665F1F-0A3D-13EF-FFA7-6E49C74A8061}"/>
+                <a16:creationId xmlns:a16="http://schemas.microsoft.com/office/drawing/2014/main" id="{EDF1F797-4ADC-A36B-1991-90AB481C4CF8}"/>
               </a:ext>
             </a:extLst>
           </p:cNvPr>
@@ -1949,7 +1949,7 @@
           <a:bodyPr/>
           <a:lstStyle/>
           <a:p>
-            <a:fld id="{E3D285EE-ED6E-422F-9AE7-2B1CB5348F18}" type="datetimeFigureOut">
+            <a:fld id="{B539E941-0ABA-4AAF-8269-CBF020AE2C16}" type="datetimeFigureOut">
               <a:rPr lang="zh-CN" altLang="en-US" smtClean="0"/>
               <a:t>2024/3/10</a:t>
             </a:fld>
@@ -1962,7 +1962,7 @@
           <p:cNvPr id="4" name="页脚占位符 3">
             <a:extLst>
               <a:ext uri="{FF2B5EF4-FFF2-40B4-BE49-F238E27FC236}">
-                <a16:creationId xmlns:a16="http://schemas.microsoft.com/office/drawing/2014/main" id="{F289BAB1-1CEB-FC63-CFF7-DF7D044A61D4}"/>
+                <a16:creationId xmlns:a16="http://schemas.microsoft.com/office/drawing/2014/main" id="{9BAF2198-3172-7FF9-C16F-ACDC138F2091}"/>
               </a:ext>
             </a:extLst>
           </p:cNvPr>
@@ -1987,7 +1987,7 @@
           <p:cNvPr id="5" name="灯片编号占位符 4">
             <a:extLst>
               <a:ext uri="{FF2B5EF4-FFF2-40B4-BE49-F238E27FC236}">
-                <a16:creationId xmlns:a16="http://schemas.microsoft.com/office/drawing/2014/main" id="{7477E5BF-A0B3-4803-1534-4DF950D6F63E}"/>
+                <a16:creationId xmlns:a16="http://schemas.microsoft.com/office/drawing/2014/main" id="{8DEF33B3-CD13-E42E-5950-5A988F28BC23}"/>
               </a:ext>
             </a:extLst>
           </p:cNvPr>
@@ -2003,7 +2003,7 @@
           <a:bodyPr/>
           <a:lstStyle/>
           <a:p>
-            <a:fld id="{13890C87-09B5-4227-B160-A6937E5BF762}" type="slidenum">
+            <a:fld id="{030E0889-D9F3-49EF-9BFA-BE415532BBD3}" type="slidenum">
               <a:rPr lang="zh-CN" altLang="en-US" smtClean="0"/>
               <a:t>‹#›</a:t>
             </a:fld>
@@ -2014,7 +2014,7 @@
     </p:spTree>
     <p:extLst>
       <p:ext uri="{BB962C8B-B14F-4D97-AF65-F5344CB8AC3E}">
-        <p14:creationId xmlns:p14="http://schemas.microsoft.com/office/powerpoint/2010/main" val="3308575436"/>
+        <p14:creationId xmlns:p14="http://schemas.microsoft.com/office/powerpoint/2010/main" val="4099801767"/>
       </p:ext>
     </p:extLst>
   </p:cSld>
@@ -2046,7 +2046,7 @@
           <p:cNvPr id="2" name="日期占位符 1">
             <a:extLst>
               <a:ext uri="{FF2B5EF4-FFF2-40B4-BE49-F238E27FC236}">
-                <a16:creationId xmlns:a16="http://schemas.microsoft.com/office/drawing/2014/main" id="{74FE6229-21C1-2733-19EC-197777FAC947}"/>
+                <a16:creationId xmlns:a16="http://schemas.microsoft.com/office/drawing/2014/main" id="{CDA9BAB5-AB25-168D-828D-AF79F2ED0F85}"/>
               </a:ext>
             </a:extLst>
           </p:cNvPr>
@@ -2062,7 +2062,7 @@
           <a:bodyPr/>
           <a:lstStyle/>
           <a:p>
-            <a:fld id="{E3D285EE-ED6E-422F-9AE7-2B1CB5348F18}" type="datetimeFigureOut">
+            <a:fld id="{B539E941-0ABA-4AAF-8269-CBF020AE2C16}" type="datetimeFigureOut">
               <a:rPr lang="zh-CN" altLang="en-US" smtClean="0"/>
               <a:t>2024/3/10</a:t>
             </a:fld>
@@ -2075,7 +2075,7 @@
           <p:cNvPr id="3" name="页脚占位符 2">
             <a:extLst>
               <a:ext uri="{FF2B5EF4-FFF2-40B4-BE49-F238E27FC236}">
-                <a16:creationId xmlns:a16="http://schemas.microsoft.com/office/drawing/2014/main" id="{6FE59039-7F46-954C-AF05-D8779AE74297}"/>
+                <a16:creationId xmlns:a16="http://schemas.microsoft.com/office/drawing/2014/main" id="{E64EE592-1249-EE86-3013-90EF3DF43CCE}"/>
               </a:ext>
             </a:extLst>
           </p:cNvPr>
@@ -2100,7 +2100,7 @@
           <p:cNvPr id="4" name="灯片编号占位符 3">
             <a:extLst>
               <a:ext uri="{FF2B5EF4-FFF2-40B4-BE49-F238E27FC236}">
-                <a16:creationId xmlns:a16="http://schemas.microsoft.com/office/drawing/2014/main" id="{6B1490CB-4D51-D062-0AC0-7FFB1712AC80}"/>
+                <a16:creationId xmlns:a16="http://schemas.microsoft.com/office/drawing/2014/main" id="{CEA3AAF6-6AB3-7126-EE35-1DEF34D77408}"/>
               </a:ext>
             </a:extLst>
           </p:cNvPr>
@@ -2116,7 +2116,7 @@
           <a:bodyPr/>
           <a:lstStyle/>
           <a:p>
-            <a:fld id="{13890C87-09B5-4227-B160-A6937E5BF762}" type="slidenum">
+            <a:fld id="{030E0889-D9F3-49EF-9BFA-BE415532BBD3}" type="slidenum">
               <a:rPr lang="zh-CN" altLang="en-US" smtClean="0"/>
               <a:t>‹#›</a:t>
             </a:fld>
@@ -2127,7 +2127,7 @@
     </p:spTree>
     <p:extLst>
       <p:ext uri="{BB962C8B-B14F-4D97-AF65-F5344CB8AC3E}">
-        <p14:creationId xmlns:p14="http://schemas.microsoft.com/office/powerpoint/2010/main" val="479989743"/>
+        <p14:creationId xmlns:p14="http://schemas.microsoft.com/office/powerpoint/2010/main" val="3478151946"/>
       </p:ext>
     </p:extLst>
   </p:cSld>
@@ -2159,7 +2159,7 @@
           <p:cNvPr id="2" name="标题 1">
             <a:extLst>
               <a:ext uri="{FF2B5EF4-FFF2-40B4-BE49-F238E27FC236}">
-                <a16:creationId xmlns:a16="http://schemas.microsoft.com/office/drawing/2014/main" id="{5339E419-331C-BE23-460B-CDA2F96E45CB}"/>
+                <a16:creationId xmlns:a16="http://schemas.microsoft.com/office/drawing/2014/main" id="{8CEF50EE-D83F-DCFF-BB1E-B2E7FE74848B}"/>
               </a:ext>
             </a:extLst>
           </p:cNvPr>
@@ -2196,7 +2196,7 @@
           <p:cNvPr id="3" name="内容占位符 2">
             <a:extLst>
               <a:ext uri="{FF2B5EF4-FFF2-40B4-BE49-F238E27FC236}">
-                <a16:creationId xmlns:a16="http://schemas.microsoft.com/office/drawing/2014/main" id="{EF20EFDE-7DDB-9A10-0039-B9C3B9B8C6FD}"/>
+                <a16:creationId xmlns:a16="http://schemas.microsoft.com/office/drawing/2014/main" id="{962997FF-7EFE-0416-CB5B-050DD2F3A57F}"/>
               </a:ext>
             </a:extLst>
           </p:cNvPr>
@@ -2286,7 +2286,7 @@
           <p:cNvPr id="4" name="文本占位符 3">
             <a:extLst>
               <a:ext uri="{FF2B5EF4-FFF2-40B4-BE49-F238E27FC236}">
-                <a16:creationId xmlns:a16="http://schemas.microsoft.com/office/drawing/2014/main" id="{3AA4CBD8-9B89-7195-7B0B-901CA9D9B421}"/>
+                <a16:creationId xmlns:a16="http://schemas.microsoft.com/office/drawing/2014/main" id="{E0993D84-A9BA-DF9E-E4BD-0FAC684F771F}"/>
               </a:ext>
             </a:extLst>
           </p:cNvPr>
@@ -2357,7 +2357,7 @@
           <p:cNvPr id="5" name="日期占位符 4">
             <a:extLst>
               <a:ext uri="{FF2B5EF4-FFF2-40B4-BE49-F238E27FC236}">
-                <a16:creationId xmlns:a16="http://schemas.microsoft.com/office/drawing/2014/main" id="{B75BE0D5-6B5E-9FD2-5DC0-ADDC4B3C273C}"/>
+                <a16:creationId xmlns:a16="http://schemas.microsoft.com/office/drawing/2014/main" id="{EC6F1FC2-0141-B066-4CC6-F7CC785411DE}"/>
               </a:ext>
             </a:extLst>
           </p:cNvPr>
@@ -2373,7 +2373,7 @@
           <a:bodyPr/>
           <a:lstStyle/>
           <a:p>
-            <a:fld id="{E3D285EE-ED6E-422F-9AE7-2B1CB5348F18}" type="datetimeFigureOut">
+            <a:fld id="{B539E941-0ABA-4AAF-8269-CBF020AE2C16}" type="datetimeFigureOut">
               <a:rPr lang="zh-CN" altLang="en-US" smtClean="0"/>
               <a:t>2024/3/10</a:t>
             </a:fld>
@@ -2386,7 +2386,7 @@
           <p:cNvPr id="6" name="页脚占位符 5">
             <a:extLst>
               <a:ext uri="{FF2B5EF4-FFF2-40B4-BE49-F238E27FC236}">
-                <a16:creationId xmlns:a16="http://schemas.microsoft.com/office/drawing/2014/main" id="{E1805ADE-E1AF-ED55-5C80-3A1F3C6D7BEC}"/>
+                <a16:creationId xmlns:a16="http://schemas.microsoft.com/office/drawing/2014/main" id="{AB8C8C09-FAEF-FA4F-AB55-65C2033B3F15}"/>
               </a:ext>
             </a:extLst>
           </p:cNvPr>
@@ -2411,7 +2411,7 @@
           <p:cNvPr id="7" name="灯片编号占位符 6">
             <a:extLst>
               <a:ext uri="{FF2B5EF4-FFF2-40B4-BE49-F238E27FC236}">
-                <a16:creationId xmlns:a16="http://schemas.microsoft.com/office/drawing/2014/main" id="{2E4BA18C-5B1F-8938-8A00-2D731CD9BAD3}"/>
+                <a16:creationId xmlns:a16="http://schemas.microsoft.com/office/drawing/2014/main" id="{26E440BC-D835-184C-C8E7-567028609A5A}"/>
               </a:ext>
             </a:extLst>
           </p:cNvPr>
@@ -2427,7 +2427,7 @@
           <a:bodyPr/>
           <a:lstStyle/>
           <a:p>
-            <a:fld id="{13890C87-09B5-4227-B160-A6937E5BF762}" type="slidenum">
+            <a:fld id="{030E0889-D9F3-49EF-9BFA-BE415532BBD3}" type="slidenum">
               <a:rPr lang="zh-CN" altLang="en-US" smtClean="0"/>
               <a:t>‹#›</a:t>
             </a:fld>
@@ -2438,7 +2438,7 @@
     </p:spTree>
     <p:extLst>
       <p:ext uri="{BB962C8B-B14F-4D97-AF65-F5344CB8AC3E}">
-        <p14:creationId xmlns:p14="http://schemas.microsoft.com/office/powerpoint/2010/main" val="3159391803"/>
+        <p14:creationId xmlns:p14="http://schemas.microsoft.com/office/powerpoint/2010/main" val="1716842949"/>
       </p:ext>
     </p:extLst>
   </p:cSld>
@@ -2470,7 +2470,7 @@
           <p:cNvPr id="2" name="标题 1">
             <a:extLst>
               <a:ext uri="{FF2B5EF4-FFF2-40B4-BE49-F238E27FC236}">
-                <a16:creationId xmlns:a16="http://schemas.microsoft.com/office/drawing/2014/main" id="{3A7EC0AB-C439-D646-595B-8EC2C8228EAF}"/>
+                <a16:creationId xmlns:a16="http://schemas.microsoft.com/office/drawing/2014/main" id="{D387B396-095E-D375-2B0D-E6924BB84DD4}"/>
               </a:ext>
             </a:extLst>
           </p:cNvPr>
@@ -2507,7 +2507,7 @@
           <p:cNvPr id="3" name="图片占位符 2">
             <a:extLst>
               <a:ext uri="{FF2B5EF4-FFF2-40B4-BE49-F238E27FC236}">
-                <a16:creationId xmlns:a16="http://schemas.microsoft.com/office/drawing/2014/main" id="{C4BA71CD-BE80-EF17-3E44-A0D968832DEE}"/>
+                <a16:creationId xmlns:a16="http://schemas.microsoft.com/office/drawing/2014/main" id="{6E9DEA8F-F5FC-DB58-CB4E-EF0496AE76DA}"/>
               </a:ext>
             </a:extLst>
           </p:cNvPr>
@@ -2574,7 +2574,7 @@
           <p:cNvPr id="4" name="文本占位符 3">
             <a:extLst>
               <a:ext uri="{FF2B5EF4-FFF2-40B4-BE49-F238E27FC236}">
-                <a16:creationId xmlns:a16="http://schemas.microsoft.com/office/drawing/2014/main" id="{E3B6C6F2-F39E-C6CB-0ECE-C8924BBDE02A}"/>
+                <a16:creationId xmlns:a16="http://schemas.microsoft.com/office/drawing/2014/main" id="{53D7254F-DCA4-D623-FB71-3C9E1CE9783F}"/>
               </a:ext>
             </a:extLst>
           </p:cNvPr>
@@ -2645,7 +2645,7 @@
           <p:cNvPr id="5" name="日期占位符 4">
             <a:extLst>
               <a:ext uri="{FF2B5EF4-FFF2-40B4-BE49-F238E27FC236}">
-                <a16:creationId xmlns:a16="http://schemas.microsoft.com/office/drawing/2014/main" id="{693E46A9-E8C4-4E8B-02CC-B80258497AD9}"/>
+                <a16:creationId xmlns:a16="http://schemas.microsoft.com/office/drawing/2014/main" id="{442B9E86-F52C-2944-152E-0433ECFBECD7}"/>
               </a:ext>
             </a:extLst>
           </p:cNvPr>
@@ -2661,7 +2661,7 @@
           <a:bodyPr/>
           <a:lstStyle/>
           <a:p>
-            <a:fld id="{E3D285EE-ED6E-422F-9AE7-2B1CB5348F18}" type="datetimeFigureOut">
+            <a:fld id="{B539E941-0ABA-4AAF-8269-CBF020AE2C16}" type="datetimeFigureOut">
               <a:rPr lang="zh-CN" altLang="en-US" smtClean="0"/>
               <a:t>2024/3/10</a:t>
             </a:fld>
@@ -2674,7 +2674,7 @@
           <p:cNvPr id="6" name="页脚占位符 5">
             <a:extLst>
               <a:ext uri="{FF2B5EF4-FFF2-40B4-BE49-F238E27FC236}">
-                <a16:creationId xmlns:a16="http://schemas.microsoft.com/office/drawing/2014/main" id="{359D7474-16B9-26AE-F7A2-F9EF9BA2E647}"/>
+                <a16:creationId xmlns:a16="http://schemas.microsoft.com/office/drawing/2014/main" id="{C5F13AD5-0C6B-4748-3E68-8C44394CEAB6}"/>
               </a:ext>
             </a:extLst>
           </p:cNvPr>
@@ -2699,7 +2699,7 @@
           <p:cNvPr id="7" name="灯片编号占位符 6">
             <a:extLst>
               <a:ext uri="{FF2B5EF4-FFF2-40B4-BE49-F238E27FC236}">
-                <a16:creationId xmlns:a16="http://schemas.microsoft.com/office/drawing/2014/main" id="{B2C6D089-8CCC-4F86-128A-D6A8992ADA34}"/>
+                <a16:creationId xmlns:a16="http://schemas.microsoft.com/office/drawing/2014/main" id="{3F8CE20F-8AE0-8CA8-7C60-C666F3D8E1C9}"/>
               </a:ext>
             </a:extLst>
           </p:cNvPr>
@@ -2715,7 +2715,7 @@
           <a:bodyPr/>
           <a:lstStyle/>
           <a:p>
-            <a:fld id="{13890C87-09B5-4227-B160-A6937E5BF762}" type="slidenum">
+            <a:fld id="{030E0889-D9F3-49EF-9BFA-BE415532BBD3}" type="slidenum">
               <a:rPr lang="zh-CN" altLang="en-US" smtClean="0"/>
               <a:t>‹#›</a:t>
             </a:fld>
@@ -2726,7 +2726,7 @@
     </p:spTree>
     <p:extLst>
       <p:ext uri="{BB962C8B-B14F-4D97-AF65-F5344CB8AC3E}">
-        <p14:creationId xmlns:p14="http://schemas.microsoft.com/office/powerpoint/2010/main" val="1297474686"/>
+        <p14:creationId xmlns:p14="http://schemas.microsoft.com/office/powerpoint/2010/main" val="2860390107"/>
       </p:ext>
     </p:extLst>
   </p:cSld>
@@ -2763,7 +2763,7 @@
           <p:cNvPr id="2" name="标题占位符 1">
             <a:extLst>
               <a:ext uri="{FF2B5EF4-FFF2-40B4-BE49-F238E27FC236}">
-                <a16:creationId xmlns:a16="http://schemas.microsoft.com/office/drawing/2014/main" id="{B6333C3D-3531-F08C-3F02-7937B8860A00}"/>
+                <a16:creationId xmlns:a16="http://schemas.microsoft.com/office/drawing/2014/main" id="{D13A2B0F-EBDB-9021-BF72-199B6665D28E}"/>
               </a:ext>
             </a:extLst>
           </p:cNvPr>
@@ -2801,7 +2801,7 @@
           <p:cNvPr id="3" name="文本占位符 2">
             <a:extLst>
               <a:ext uri="{FF2B5EF4-FFF2-40B4-BE49-F238E27FC236}">
-                <a16:creationId xmlns:a16="http://schemas.microsoft.com/office/drawing/2014/main" id="{BDB88431-472A-25F6-8B05-BCFCDEB7CAEB}"/>
+                <a16:creationId xmlns:a16="http://schemas.microsoft.com/office/drawing/2014/main" id="{C6D26AF2-2580-20C7-6D35-0D6D6AB85B99}"/>
               </a:ext>
             </a:extLst>
           </p:cNvPr>
@@ -2868,7 +2868,7 @@
           <p:cNvPr id="4" name="日期占位符 3">
             <a:extLst>
               <a:ext uri="{FF2B5EF4-FFF2-40B4-BE49-F238E27FC236}">
-                <a16:creationId xmlns:a16="http://schemas.microsoft.com/office/drawing/2014/main" id="{1CF3F247-B1DC-33A3-A5CE-7D0DF8EBA193}"/>
+                <a16:creationId xmlns:a16="http://schemas.microsoft.com/office/drawing/2014/main" id="{B670536E-5446-BF07-36CD-E64F286A08DD}"/>
               </a:ext>
             </a:extLst>
           </p:cNvPr>
@@ -2902,7 +2902,7 @@
             </a:lvl1pPr>
           </a:lstStyle>
           <a:p>
-            <a:fld id="{E3D285EE-ED6E-422F-9AE7-2B1CB5348F18}" type="datetimeFigureOut">
+            <a:fld id="{B539E941-0ABA-4AAF-8269-CBF020AE2C16}" type="datetimeFigureOut">
               <a:rPr lang="zh-CN" altLang="en-US" smtClean="0"/>
               <a:t>2024/3/10</a:t>
             </a:fld>
@@ -2915,7 +2915,7 @@
           <p:cNvPr id="5" name="页脚占位符 4">
             <a:extLst>
               <a:ext uri="{FF2B5EF4-FFF2-40B4-BE49-F238E27FC236}">
-                <a16:creationId xmlns:a16="http://schemas.microsoft.com/office/drawing/2014/main" id="{3A584A0D-4B3C-93E2-A89C-FD1F81B478AB}"/>
+                <a16:creationId xmlns:a16="http://schemas.microsoft.com/office/drawing/2014/main" id="{25AE8817-65BF-C9ED-88B6-21E5BD29A870}"/>
               </a:ext>
             </a:extLst>
           </p:cNvPr>
@@ -2958,7 +2958,7 @@
           <p:cNvPr id="6" name="灯片编号占位符 5">
             <a:extLst>
               <a:ext uri="{FF2B5EF4-FFF2-40B4-BE49-F238E27FC236}">
-                <a16:creationId xmlns:a16="http://schemas.microsoft.com/office/drawing/2014/main" id="{6197D3D3-E4A7-C7E0-D8B9-542013C1D1D8}"/>
+                <a16:creationId xmlns:a16="http://schemas.microsoft.com/office/drawing/2014/main" id="{75F969A5-1362-D6E6-7EB6-6CDDF68E544E}"/>
               </a:ext>
             </a:extLst>
           </p:cNvPr>
@@ -2992,7 +2992,7 @@
             </a:lvl1pPr>
           </a:lstStyle>
           <a:p>
-            <a:fld id="{13890C87-09B5-4227-B160-A6937E5BF762}" type="slidenum">
+            <a:fld id="{030E0889-D9F3-49EF-9BFA-BE415532BBD3}" type="slidenum">
               <a:rPr lang="zh-CN" altLang="en-US" smtClean="0"/>
               <a:t>‹#›</a:t>
             </a:fld>
@@ -3003,7 +3003,7 @@
     </p:spTree>
     <p:extLst>
       <p:ext uri="{BB962C8B-B14F-4D97-AF65-F5344CB8AC3E}">
-        <p14:creationId xmlns:p14="http://schemas.microsoft.com/office/powerpoint/2010/main" val="1418203936"/>
+        <p14:creationId xmlns:p14="http://schemas.microsoft.com/office/powerpoint/2010/main" val="3691579732"/>
       </p:ext>
     </p:extLst>
   </p:cSld>
